--- a/Python培训.pptx
+++ b/Python培训.pptx
@@ -14,28 +14,30 @@
     <p:sldId id="284" r:id="rId9"/>
     <p:sldId id="285" r:id="rId10"/>
     <p:sldId id="286" r:id="rId11"/>
-    <p:sldId id="287" r:id="rId12"/>
-    <p:sldId id="288" r:id="rId13"/>
-    <p:sldId id="289" r:id="rId14"/>
-    <p:sldId id="263" r:id="rId15"/>
+    <p:sldId id="296" r:id="rId12"/>
+    <p:sldId id="291" r:id="rId13"/>
+    <p:sldId id="287" r:id="rId14"/>
+    <p:sldId id="288" r:id="rId15"/>
+    <p:sldId id="289" r:id="rId16"/>
+    <p:sldId id="263" r:id="rId17"/>
   </p:sldIdLst>
   <p:sldSz cx="12192000" cy="6858000"/>
   <p:notesSz cx="6858000" cy="9144000"/>
   <p:embeddedFontLst>
     <p:embeddedFont>
       <p:font typeface="Calibri" panose="020F0502020204030204" pitchFamily="34" charset="0"/>
-      <p:regular r:id="rId19"/>
-      <p:bold r:id="rId20"/>
-      <p:italic r:id="rId21"/>
-      <p:boldItalic r:id="rId22"/>
+      <p:regular r:id="rId21"/>
+      <p:bold r:id="rId22"/>
+      <p:italic r:id="rId23"/>
+      <p:boldItalic r:id="rId24"/>
     </p:embeddedFont>
     <p:embeddedFont>
       <p:font typeface="微软雅黑" panose="020B0503020204020204" pitchFamily="34" charset="-122"/>
-      <p:regular r:id="rId23"/>
+      <p:regular r:id="rId25"/>
     </p:embeddedFont>
     <p:embeddedFont>
       <p:font typeface="Impact" panose="020B0806030902050204" pitchFamily="34" charset="0"/>
-      <p:regular r:id="rId24"/>
+      <p:regular r:id="rId26"/>
     </p:embeddedFont>
   </p:embeddedFontLst>
   <p:defaultTextStyle>
@@ -4075,6 +4077,755 @@
       </p:grpSpPr>
       <p:sp>
         <p:nvSpPr>
+          <p:cNvPr id="4" name="内容占位符 3"/>
+          <p:cNvSpPr>
+            <a:spLocks noGrp="1"/>
+          </p:cNvSpPr>
+          <p:nvPr>
+            <p:ph idx="1"/>
+          </p:nvPr>
+        </p:nvSpPr>
+        <p:spPr>
+          <a:xfrm>
+            <a:off x="838200" y="1300899"/>
+            <a:ext cx="10515600" cy="4876064"/>
+          </a:xfrm>
+        </p:spPr>
+        <p:txBody>
+          <a:bodyPr/>
+          <a:lstStyle/>
+          <a:p>
+            <a:pPr marL="0" indent="0" fontAlgn="auto">
+              <a:lnSpc>
+                <a:spcPct val="150000"/>
+              </a:lnSpc>
+              <a:buNone/>
+            </a:pPr>
+            <a:r>
+              <a:rPr sz="2400" dirty="0">
+                <a:latin typeface="+mn-ea"/>
+                <a:cs typeface="+mn-ea"/>
+              </a:rPr>
+              <a:t>在Flask Web应用程序中使用原始SQL对数据库执行CRUD操作可能很繁琐。相反， SQLAlchemy ，Python工具包是一个强大的OR Mapper，它为应用程序开发人员提供了SQL的全部功能和灵活性。Flask-SQLAlchemy是Flask扩展，它将对SQLAlchemy的支持添加到Flask应用程序中。</a:t>
+            </a:r>
+            <a:endParaRPr sz="2400" dirty="0">
+              <a:latin typeface="+mn-ea"/>
+              <a:cs typeface="+mn-ea"/>
+            </a:endParaRPr>
+          </a:p>
+        </p:txBody>
+      </p:sp>
+      <p:grpSp>
+        <p:nvGrpSpPr>
+          <p:cNvPr id="21" name="组合 20"/>
+          <p:cNvGrpSpPr/>
+          <p:nvPr/>
+        </p:nvGrpSpPr>
+        <p:grpSpPr>
+          <a:xfrm>
+            <a:off x="471298" y="309977"/>
+            <a:ext cx="3212347" cy="460375"/>
+            <a:chOff x="493006" y="316630"/>
+            <a:chExt cx="3212347" cy="460375"/>
+          </a:xfrm>
+        </p:grpSpPr>
+        <p:sp>
+          <p:nvSpPr>
+            <p:cNvPr id="22" name="文本框 21"/>
+            <p:cNvSpPr txBox="1"/>
+            <p:nvPr/>
+          </p:nvSpPr>
+          <p:spPr>
+            <a:xfrm>
+              <a:off x="731013" y="316630"/>
+              <a:ext cx="2974340" cy="460375"/>
+            </a:xfrm>
+            <a:prstGeom prst="rect">
+              <a:avLst/>
+            </a:prstGeom>
+            <a:noFill/>
+          </p:spPr>
+          <p:txBody>
+            <a:bodyPr wrap="none" rtlCol="0">
+              <a:spAutoFit/>
+            </a:bodyPr>
+            <a:p>
+              <a:pPr algn="l"/>
+              <a:r>
+                <a:rPr lang="en-US" altLang="zh-CN" sz="2400" b="1" dirty="0">
+                  <a:latin typeface="微软雅黑" panose="020B0503020204020204" pitchFamily="34" charset="-122"/>
+                  <a:ea typeface="微软雅黑" panose="020B0503020204020204" pitchFamily="34" charset="-122"/>
+                  <a:cs typeface="微软雅黑" panose="020B0503020204020204" pitchFamily="34" charset="-122"/>
+                  <a:sym typeface="+mn-ea"/>
+                </a:rPr>
+                <a:t>Flask SQLAlchemy</a:t>
+              </a:r>
+              <a:endParaRPr lang="en-US" altLang="zh-CN" sz="2400" b="1" dirty="0">
+                <a:latin typeface="微软雅黑" panose="020B0503020204020204" pitchFamily="34" charset="-122"/>
+                <a:ea typeface="微软雅黑" panose="020B0503020204020204" pitchFamily="34" charset="-122"/>
+                <a:cs typeface="微软雅黑" panose="020B0503020204020204" pitchFamily="34" charset="-122"/>
+              </a:endParaRPr>
+            </a:p>
+          </p:txBody>
+        </p:sp>
+        <p:sp>
+          <p:nvSpPr>
+            <p:cNvPr id="23" name="等腰三角形 22"/>
+            <p:cNvSpPr/>
+            <p:nvPr/>
+          </p:nvSpPr>
+          <p:spPr>
+            <a:xfrm rot="5400000">
+              <a:off x="477562" y="420163"/>
+              <a:ext cx="223931" cy="193044"/>
+            </a:xfrm>
+            <a:prstGeom prst="triangle">
+              <a:avLst/>
+            </a:prstGeom>
+            <a:solidFill>
+              <a:schemeClr val="accent4"/>
+            </a:solidFill>
+            <a:ln>
+              <a:noFill/>
+            </a:ln>
+          </p:spPr>
+          <p:style>
+            <a:lnRef idx="2">
+              <a:schemeClr val="accent1">
+                <a:shade val="50000"/>
+              </a:schemeClr>
+            </a:lnRef>
+            <a:fillRef idx="1">
+              <a:schemeClr val="accent1"/>
+            </a:fillRef>
+            <a:effectRef idx="0">
+              <a:schemeClr val="accent1"/>
+            </a:effectRef>
+            <a:fontRef idx="minor">
+              <a:schemeClr val="lt1"/>
+            </a:fontRef>
+          </p:style>
+          <p:txBody>
+            <a:bodyPr rtlCol="0" anchor="ctr"/>
+            <a:p>
+              <a:pPr algn="ctr"/>
+              <a:endParaRPr lang="zh-CN" altLang="en-US"/>
+            </a:p>
+          </p:txBody>
+        </p:sp>
+      </p:grpSp>
+    </p:spTree>
+  </p:cSld>
+  <p:clrMapOvr>
+    <a:masterClrMapping/>
+  </p:clrMapOvr>
+</p:sld>
+</file>
+
+<file path=ppt/slides/slide11.xml><?xml version="1.0" encoding="utf-8"?>
+<p:sld xmlns:a="http://schemas.openxmlformats.org/drawingml/2006/main" xmlns:r="http://schemas.openxmlformats.org/officeDocument/2006/relationships" xmlns:p="http://schemas.openxmlformats.org/presentationml/2006/main">
+  <p:cSld>
+    <p:spTree>
+      <p:nvGrpSpPr>
+        <p:cNvPr id="1" name=""/>
+        <p:cNvGrpSpPr/>
+        <p:nvPr/>
+      </p:nvGrpSpPr>
+      <p:grpSpPr>
+        <a:xfrm>
+          <a:off x="0" y="0"/>
+          <a:ext cx="0" cy="0"/>
+          <a:chOff x="0" y="0"/>
+          <a:chExt cx="0" cy="0"/>
+        </a:xfrm>
+      </p:grpSpPr>
+      <p:sp>
+        <p:nvSpPr>
+          <p:cNvPr id="4" name="内容占位符 3"/>
+          <p:cNvSpPr>
+            <a:spLocks noGrp="1"/>
+          </p:cNvSpPr>
+          <p:nvPr>
+            <p:ph idx="1"/>
+          </p:nvPr>
+        </p:nvSpPr>
+        <p:spPr>
+          <a:xfrm>
+            <a:off x="838200" y="1089444"/>
+            <a:ext cx="10515600" cy="4876064"/>
+          </a:xfrm>
+        </p:spPr>
+        <p:txBody>
+          <a:bodyPr>
+            <a:noAutofit/>
+          </a:bodyPr>
+          <a:lstStyle/>
+          <a:p>
+            <a:pPr marL="0" indent="0" fontAlgn="auto">
+              <a:lnSpc>
+                <a:spcPct val="150000"/>
+              </a:lnSpc>
+              <a:buNone/>
+            </a:pPr>
+            <a:r>
+              <a:rPr lang="en-US" altLang="zh-CN" sz="1800" dirty="0">
+                <a:latin typeface="+mn-ea"/>
+                <a:cs typeface="+mn-ea"/>
+              </a:rPr>
+              <a:t>Flask</a:t>
+            </a:r>
+            <a:r>
+              <a:rPr lang="zh-CN" altLang="en-US" sz="1800" dirty="0">
+                <a:latin typeface="+mn-ea"/>
+                <a:cs typeface="+mn-ea"/>
+              </a:rPr>
+              <a:t>项目中有两个上下文，一个是应用上下文（</a:t>
+            </a:r>
+            <a:r>
+              <a:rPr lang="en-US" altLang="zh-CN" sz="1800" dirty="0" err="1">
+                <a:latin typeface="+mn-ea"/>
+                <a:cs typeface="+mn-ea"/>
+              </a:rPr>
+              <a:t>AppContext</a:t>
+            </a:r>
+            <a:r>
+              <a:rPr lang="zh-CN" altLang="en-US" sz="1800" dirty="0">
+                <a:latin typeface="+mn-ea"/>
+                <a:cs typeface="+mn-ea"/>
+              </a:rPr>
+              <a:t>），另外一个是请求上下文（</a:t>
+            </a:r>
+            <a:r>
+              <a:rPr lang="en-US" altLang="zh-CN" sz="1800" dirty="0" err="1">
+                <a:latin typeface="+mn-ea"/>
+                <a:cs typeface="+mn-ea"/>
+              </a:rPr>
+              <a:t>RequestContext</a:t>
+            </a:r>
+            <a:r>
+              <a:rPr lang="zh-CN" altLang="en-US" sz="1800" dirty="0">
+                <a:latin typeface="+mn-ea"/>
+                <a:cs typeface="+mn-ea"/>
+              </a:rPr>
+              <a:t>）。请求上下文</a:t>
+            </a:r>
+            <a:r>
+              <a:rPr lang="en-US" altLang="zh-CN" sz="1800" dirty="0">
+                <a:latin typeface="+mn-ea"/>
+                <a:cs typeface="+mn-ea"/>
+              </a:rPr>
+              <a:t>request</a:t>
+            </a:r>
+            <a:r>
+              <a:rPr lang="zh-CN" altLang="en-US" sz="1800" dirty="0">
+                <a:latin typeface="+mn-ea"/>
+                <a:cs typeface="+mn-ea"/>
+              </a:rPr>
+              <a:t>和应用上下文</a:t>
+            </a:r>
+            <a:r>
+              <a:rPr lang="en-US" altLang="zh-CN" sz="1800" dirty="0" err="1">
+                <a:latin typeface="+mn-ea"/>
+                <a:cs typeface="+mn-ea"/>
+              </a:rPr>
+              <a:t>current_app</a:t>
+            </a:r>
+            <a:r>
+              <a:rPr lang="zh-CN" altLang="en-US" sz="1800" dirty="0">
+                <a:latin typeface="+mn-ea"/>
+                <a:cs typeface="+mn-ea"/>
+              </a:rPr>
+              <a:t>都是一个全局变量。所有请求都共享的。</a:t>
+            </a:r>
+            <a:r>
+              <a:rPr lang="en-US" altLang="zh-CN" sz="1800" dirty="0">
+                <a:latin typeface="+mn-ea"/>
+                <a:cs typeface="+mn-ea"/>
+              </a:rPr>
+              <a:t>Flask</a:t>
+            </a:r>
+            <a:r>
+              <a:rPr lang="zh-CN" altLang="en-US" sz="1800" dirty="0">
+                <a:latin typeface="+mn-ea"/>
+                <a:cs typeface="+mn-ea"/>
+              </a:rPr>
+              <a:t>有特殊的机制可以保证每次请求的数据都是隔离的，即</a:t>
+            </a:r>
+            <a:r>
+              <a:rPr lang="en-US" altLang="zh-CN" sz="1800" dirty="0">
+                <a:latin typeface="+mn-ea"/>
+                <a:cs typeface="+mn-ea"/>
+              </a:rPr>
+              <a:t>A</a:t>
+            </a:r>
+            <a:r>
+              <a:rPr lang="zh-CN" altLang="en-US" sz="1800" dirty="0">
+                <a:latin typeface="+mn-ea"/>
+                <a:cs typeface="+mn-ea"/>
+              </a:rPr>
+              <a:t>请求所产生的数据不会影响到</a:t>
+            </a:r>
+            <a:r>
+              <a:rPr lang="en-US" altLang="zh-CN" sz="1800" dirty="0">
+                <a:latin typeface="+mn-ea"/>
+                <a:cs typeface="+mn-ea"/>
+              </a:rPr>
+              <a:t>B</a:t>
+            </a:r>
+            <a:r>
+              <a:rPr lang="zh-CN" altLang="en-US" sz="1800" dirty="0">
+                <a:latin typeface="+mn-ea"/>
+                <a:cs typeface="+mn-ea"/>
+              </a:rPr>
+              <a:t>请求。所以可以直接导入</a:t>
+            </a:r>
+            <a:r>
+              <a:rPr lang="en-US" altLang="zh-CN" sz="1800" dirty="0">
+                <a:latin typeface="+mn-ea"/>
+                <a:cs typeface="+mn-ea"/>
+              </a:rPr>
+              <a:t>request</a:t>
+            </a:r>
+            <a:r>
+              <a:rPr lang="zh-CN" altLang="en-US" sz="1800" dirty="0">
+                <a:latin typeface="+mn-ea"/>
+                <a:cs typeface="+mn-ea"/>
+              </a:rPr>
+              <a:t>对象，也不会被一些脏数据影响了，并且不需要在每个函数中使用</a:t>
+            </a:r>
+            <a:r>
+              <a:rPr lang="en-US" altLang="zh-CN" sz="1800" dirty="0">
+                <a:latin typeface="+mn-ea"/>
+                <a:cs typeface="+mn-ea"/>
+              </a:rPr>
+              <a:t>request</a:t>
+            </a:r>
+            <a:r>
+              <a:rPr lang="zh-CN" altLang="en-US" sz="1800" dirty="0">
+                <a:latin typeface="+mn-ea"/>
+                <a:cs typeface="+mn-ea"/>
+              </a:rPr>
+              <a:t>的时候传入</a:t>
+            </a:r>
+            <a:r>
+              <a:rPr lang="en-US" altLang="zh-CN" sz="1800" dirty="0">
+                <a:latin typeface="+mn-ea"/>
+                <a:cs typeface="+mn-ea"/>
+              </a:rPr>
+              <a:t>request</a:t>
+            </a:r>
+            <a:r>
+              <a:rPr lang="zh-CN" altLang="en-US" sz="1800" dirty="0">
+                <a:latin typeface="+mn-ea"/>
+                <a:cs typeface="+mn-ea"/>
+              </a:rPr>
+              <a:t>对象。这两个上下文具体的实现方式和原理可以没必要详细了解。只要了解这两个上下文的四个属性就可以了：</a:t>
+            </a:r>
+            <a:endParaRPr lang="zh-CN" altLang="en-US" sz="1800" dirty="0">
+              <a:latin typeface="+mn-ea"/>
+              <a:cs typeface="+mn-ea"/>
+            </a:endParaRPr>
+          </a:p>
+          <a:p>
+            <a:pPr marL="0" indent="0" fontAlgn="auto">
+              <a:lnSpc>
+                <a:spcPct val="150000"/>
+              </a:lnSpc>
+              <a:buNone/>
+            </a:pPr>
+            <a:r>
+              <a:rPr lang="zh-CN" altLang="en-US" sz="1800" dirty="0">
+                <a:latin typeface="+mn-ea"/>
+                <a:cs typeface="+mn-ea"/>
+              </a:rPr>
+              <a:t>（</a:t>
+            </a:r>
+            <a:r>
+              <a:rPr lang="en-US" altLang="zh-CN" sz="1800" dirty="0">
+                <a:latin typeface="+mn-ea"/>
+                <a:cs typeface="+mn-ea"/>
+              </a:rPr>
+              <a:t>1</a:t>
+            </a:r>
+            <a:r>
+              <a:rPr lang="zh-CN" altLang="en-US" sz="1800" dirty="0">
+                <a:latin typeface="+mn-ea"/>
+                <a:cs typeface="+mn-ea"/>
+              </a:rPr>
+              <a:t>）</a:t>
+            </a:r>
+            <a:r>
+              <a:rPr lang="en-US" altLang="zh-CN" sz="1800" dirty="0">
+                <a:latin typeface="+mn-ea"/>
+                <a:cs typeface="+mn-ea"/>
+              </a:rPr>
+              <a:t>request</a:t>
+            </a:r>
+            <a:r>
+              <a:rPr lang="zh-CN" altLang="en-US" sz="1800" dirty="0">
+                <a:latin typeface="+mn-ea"/>
+                <a:cs typeface="+mn-ea"/>
+              </a:rPr>
+              <a:t>：请求上下文上的对象。这个对象一般用来保存一些请求的变量。比如</a:t>
+            </a:r>
+            <a:r>
+              <a:rPr lang="en-US" altLang="zh-CN" sz="1800" dirty="0">
+                <a:latin typeface="+mn-ea"/>
+                <a:cs typeface="+mn-ea"/>
+              </a:rPr>
+              <a:t>method</a:t>
+            </a:r>
+            <a:r>
+              <a:rPr lang="zh-CN" altLang="en-US" sz="1800" dirty="0">
+                <a:latin typeface="+mn-ea"/>
+                <a:cs typeface="+mn-ea"/>
+              </a:rPr>
+              <a:t>、</a:t>
+            </a:r>
+            <a:r>
+              <a:rPr lang="en-US" altLang="zh-CN" sz="1800" dirty="0" err="1">
+                <a:latin typeface="+mn-ea"/>
+                <a:cs typeface="+mn-ea"/>
+              </a:rPr>
+              <a:t>args</a:t>
+            </a:r>
+            <a:r>
+              <a:rPr lang="zh-CN" altLang="en-US" sz="1800" dirty="0">
+                <a:latin typeface="+mn-ea"/>
+                <a:cs typeface="+mn-ea"/>
+              </a:rPr>
+              <a:t>、</a:t>
+            </a:r>
+            <a:r>
+              <a:rPr lang="en-US" altLang="zh-CN" sz="1800" dirty="0">
+                <a:latin typeface="+mn-ea"/>
+                <a:cs typeface="+mn-ea"/>
+              </a:rPr>
+              <a:t>form</a:t>
+            </a:r>
+            <a:r>
+              <a:rPr lang="zh-CN" altLang="en-US" sz="1800" dirty="0">
+                <a:latin typeface="+mn-ea"/>
+                <a:cs typeface="+mn-ea"/>
+              </a:rPr>
+              <a:t>等。</a:t>
+            </a:r>
+            <a:endParaRPr lang="zh-CN" altLang="en-US" sz="1800" dirty="0">
+              <a:latin typeface="+mn-ea"/>
+              <a:cs typeface="+mn-ea"/>
+            </a:endParaRPr>
+          </a:p>
+          <a:p>
+            <a:pPr marL="0" indent="0" fontAlgn="auto">
+              <a:lnSpc>
+                <a:spcPct val="150000"/>
+              </a:lnSpc>
+              <a:buNone/>
+            </a:pPr>
+            <a:r>
+              <a:rPr lang="zh-CN" altLang="en-US" sz="1800" dirty="0">
+                <a:latin typeface="+mn-ea"/>
+                <a:cs typeface="+mn-ea"/>
+              </a:rPr>
+              <a:t>（</a:t>
+            </a:r>
+            <a:r>
+              <a:rPr lang="en-US" altLang="zh-CN" sz="1800" dirty="0">
+                <a:latin typeface="+mn-ea"/>
+                <a:cs typeface="+mn-ea"/>
+              </a:rPr>
+              <a:t>2</a:t>
+            </a:r>
+            <a:r>
+              <a:rPr lang="zh-CN" altLang="en-US" sz="1800" dirty="0">
+                <a:latin typeface="+mn-ea"/>
+                <a:cs typeface="+mn-ea"/>
+              </a:rPr>
+              <a:t>）</a:t>
+            </a:r>
+            <a:r>
+              <a:rPr lang="en-US" altLang="zh-CN" sz="1800" dirty="0">
+                <a:latin typeface="+mn-ea"/>
+                <a:cs typeface="+mn-ea"/>
+              </a:rPr>
+              <a:t>session</a:t>
+            </a:r>
+            <a:r>
+              <a:rPr lang="zh-CN" altLang="en-US" sz="1800" dirty="0">
+                <a:latin typeface="+mn-ea"/>
+                <a:cs typeface="+mn-ea"/>
+              </a:rPr>
+              <a:t>：请求上下文上的对象。这个对象一般用来保存一些会话信息。</a:t>
+            </a:r>
+            <a:endParaRPr lang="zh-CN" altLang="en-US" sz="1800" dirty="0">
+              <a:latin typeface="+mn-ea"/>
+              <a:cs typeface="+mn-ea"/>
+            </a:endParaRPr>
+          </a:p>
+          <a:p>
+            <a:pPr marL="0" indent="0" fontAlgn="auto">
+              <a:lnSpc>
+                <a:spcPct val="150000"/>
+              </a:lnSpc>
+              <a:buNone/>
+            </a:pPr>
+            <a:r>
+              <a:rPr lang="zh-CN" altLang="en-US" sz="1800" dirty="0">
+                <a:latin typeface="+mn-ea"/>
+                <a:cs typeface="+mn-ea"/>
+              </a:rPr>
+              <a:t>（</a:t>
+            </a:r>
+            <a:r>
+              <a:rPr lang="en-US" altLang="zh-CN" sz="1800" dirty="0">
+                <a:latin typeface="+mn-ea"/>
+                <a:cs typeface="+mn-ea"/>
+              </a:rPr>
+              <a:t>3</a:t>
+            </a:r>
+            <a:r>
+              <a:rPr lang="zh-CN" altLang="en-US" sz="1800" dirty="0">
+                <a:latin typeface="+mn-ea"/>
+                <a:cs typeface="+mn-ea"/>
+              </a:rPr>
+              <a:t>）</a:t>
+            </a:r>
+            <a:r>
+              <a:rPr lang="en-US" altLang="zh-CN" sz="1800" dirty="0" err="1">
+                <a:latin typeface="+mn-ea"/>
+                <a:cs typeface="+mn-ea"/>
+              </a:rPr>
+              <a:t>current_app</a:t>
+            </a:r>
+            <a:r>
+              <a:rPr lang="zh-CN" altLang="en-US" sz="1800" dirty="0">
+                <a:latin typeface="+mn-ea"/>
+                <a:cs typeface="+mn-ea"/>
+              </a:rPr>
+              <a:t>：返回当前的</a:t>
+            </a:r>
+            <a:r>
+              <a:rPr lang="en-US" altLang="zh-CN" sz="1800" dirty="0">
+                <a:latin typeface="+mn-ea"/>
+                <a:cs typeface="+mn-ea"/>
+              </a:rPr>
+              <a:t>app</a:t>
+            </a:r>
+            <a:r>
+              <a:rPr lang="zh-CN" altLang="en-US" sz="1800" dirty="0">
+                <a:latin typeface="+mn-ea"/>
+                <a:cs typeface="+mn-ea"/>
+              </a:rPr>
+              <a:t>。</a:t>
+            </a:r>
+            <a:endParaRPr lang="zh-CN" altLang="en-US" sz="1800" dirty="0">
+              <a:latin typeface="+mn-ea"/>
+              <a:cs typeface="+mn-ea"/>
+            </a:endParaRPr>
+          </a:p>
+          <a:p>
+            <a:pPr marL="0" indent="0" fontAlgn="auto">
+              <a:lnSpc>
+                <a:spcPct val="150000"/>
+              </a:lnSpc>
+              <a:buNone/>
+            </a:pPr>
+            <a:r>
+              <a:rPr lang="zh-CN" altLang="en-US" sz="1800" dirty="0">
+                <a:latin typeface="+mn-ea"/>
+                <a:cs typeface="+mn-ea"/>
+              </a:rPr>
+              <a:t>（</a:t>
+            </a:r>
+            <a:r>
+              <a:rPr lang="en-US" altLang="zh-CN" sz="1800" dirty="0">
+                <a:latin typeface="+mn-ea"/>
+                <a:cs typeface="+mn-ea"/>
+              </a:rPr>
+              <a:t>4</a:t>
+            </a:r>
+            <a:r>
+              <a:rPr lang="zh-CN" altLang="en-US" sz="1800" dirty="0">
+                <a:latin typeface="+mn-ea"/>
+                <a:cs typeface="+mn-ea"/>
+              </a:rPr>
+              <a:t>）</a:t>
+            </a:r>
+            <a:r>
+              <a:rPr lang="en-US" altLang="zh-CN" sz="1800" dirty="0">
+                <a:latin typeface="+mn-ea"/>
+                <a:cs typeface="+mn-ea"/>
+              </a:rPr>
+              <a:t>g</a:t>
+            </a:r>
+            <a:r>
+              <a:rPr lang="zh-CN" altLang="en-US" sz="1800" dirty="0">
+                <a:latin typeface="+mn-ea"/>
+                <a:cs typeface="+mn-ea"/>
+              </a:rPr>
+              <a:t>：应用上下文上的对象。处理请求时用作临时存储的对象。</a:t>
+            </a:r>
+            <a:endParaRPr lang="zh-CN" altLang="en-US" sz="1800" dirty="0">
+              <a:latin typeface="+mn-ea"/>
+              <a:cs typeface="+mn-ea"/>
+            </a:endParaRPr>
+          </a:p>
+          <a:p>
+            <a:pPr marL="0" indent="0" fontAlgn="auto">
+              <a:lnSpc>
+                <a:spcPct val="150000"/>
+              </a:lnSpc>
+              <a:buNone/>
+            </a:pPr>
+            <a:endParaRPr lang="zh-CN" altLang="en-US" sz="1800" dirty="0">
+              <a:latin typeface="+mn-ea"/>
+              <a:cs typeface="+mn-ea"/>
+            </a:endParaRPr>
+          </a:p>
+        </p:txBody>
+      </p:sp>
+      <p:grpSp>
+        <p:nvGrpSpPr>
+          <p:cNvPr id="21" name="组合 20"/>
+          <p:cNvGrpSpPr/>
+          <p:nvPr/>
+        </p:nvGrpSpPr>
+        <p:grpSpPr>
+          <a:xfrm>
+            <a:off x="471298" y="323947"/>
+            <a:ext cx="4632842" cy="460375"/>
+            <a:chOff x="493006" y="316630"/>
+            <a:chExt cx="4632842" cy="460375"/>
+          </a:xfrm>
+        </p:grpSpPr>
+        <p:sp>
+          <p:nvSpPr>
+            <p:cNvPr id="22" name="文本框 21"/>
+            <p:cNvSpPr txBox="1"/>
+            <p:nvPr/>
+          </p:nvSpPr>
+          <p:spPr>
+            <a:xfrm>
+              <a:off x="731013" y="316630"/>
+              <a:ext cx="4394835" cy="460375"/>
+            </a:xfrm>
+            <a:prstGeom prst="rect">
+              <a:avLst/>
+            </a:prstGeom>
+            <a:noFill/>
+          </p:spPr>
+          <p:txBody>
+            <a:bodyPr wrap="none" rtlCol="0">
+              <a:spAutoFit/>
+            </a:bodyPr>
+            <a:p>
+              <a:pPr algn="l"/>
+              <a:r>
+                <a:rPr lang="en-US" altLang="zh-CN" sz="2400" b="1" dirty="0">
+                  <a:latin typeface="微软雅黑" panose="020B0503020204020204" pitchFamily="34" charset="-122"/>
+                  <a:ea typeface="微软雅黑" panose="020B0503020204020204" pitchFamily="34" charset="-122"/>
+                  <a:cs typeface="微软雅黑" panose="020B0503020204020204" pitchFamily="34" charset="-122"/>
+                </a:rPr>
+                <a:t>Flask</a:t>
+              </a:r>
+              <a:r>
+                <a:rPr lang="en-US" altLang="zh-CN" sz="2400" b="1" dirty="0">
+                  <a:latin typeface="微软雅黑" panose="020B0503020204020204" pitchFamily="34" charset="-122"/>
+                  <a:ea typeface="微软雅黑" panose="020B0503020204020204" pitchFamily="34" charset="-122"/>
+                  <a:cs typeface="微软雅黑" panose="020B0503020204020204" pitchFamily="34" charset="-122"/>
+                  <a:sym typeface="+mn-ea"/>
+                </a:rPr>
+                <a:t> </a:t>
+              </a:r>
+              <a:r>
+                <a:rPr lang="en-US" altLang="zh-CN" sz="2400" b="1" dirty="0">
+                  <a:latin typeface="微软雅黑" panose="020B0503020204020204" pitchFamily="34" charset="-122"/>
+                  <a:ea typeface="微软雅黑" panose="020B0503020204020204" pitchFamily="34" charset="-122"/>
+                  <a:cs typeface="微软雅黑" panose="020B0503020204020204" pitchFamily="34" charset="-122"/>
+                  <a:sym typeface="+mn-ea"/>
+                </a:rPr>
+                <a:t>应用上下文和请求上下文</a:t>
+              </a:r>
+              <a:endParaRPr lang="zh-CN" altLang="en-US" sz="2400" b="1" dirty="0">
+                <a:latin typeface="+mn-ea"/>
+                <a:cs typeface="+mn-ea"/>
+              </a:endParaRPr>
+            </a:p>
+          </p:txBody>
+        </p:sp>
+        <p:sp>
+          <p:nvSpPr>
+            <p:cNvPr id="23" name="等腰三角形 22"/>
+            <p:cNvSpPr/>
+            <p:nvPr/>
+          </p:nvSpPr>
+          <p:spPr>
+            <a:xfrm rot="5400000">
+              <a:off x="477562" y="420163"/>
+              <a:ext cx="223931" cy="193044"/>
+            </a:xfrm>
+            <a:prstGeom prst="triangle">
+              <a:avLst/>
+            </a:prstGeom>
+            <a:solidFill>
+              <a:schemeClr val="accent4"/>
+            </a:solidFill>
+            <a:ln>
+              <a:noFill/>
+            </a:ln>
+          </p:spPr>
+          <p:style>
+            <a:lnRef idx="2">
+              <a:schemeClr val="accent1">
+                <a:shade val="50000"/>
+              </a:schemeClr>
+            </a:lnRef>
+            <a:fillRef idx="1">
+              <a:schemeClr val="accent1"/>
+            </a:fillRef>
+            <a:effectRef idx="0">
+              <a:schemeClr val="accent1"/>
+            </a:effectRef>
+            <a:fontRef idx="minor">
+              <a:schemeClr val="lt1"/>
+            </a:fontRef>
+          </p:style>
+          <p:txBody>
+            <a:bodyPr rtlCol="0" anchor="ctr"/>
+            <a:p>
+              <a:pPr algn="ctr"/>
+              <a:endParaRPr lang="zh-CN" altLang="en-US"/>
+            </a:p>
+          </p:txBody>
+        </p:sp>
+      </p:grpSp>
+    </p:spTree>
+  </p:cSld>
+  <p:clrMapOvr>
+    <a:masterClrMapping/>
+  </p:clrMapOvr>
+</p:sld>
+</file>
+
+<file path=ppt/slides/slide12.xml><?xml version="1.0" encoding="utf-8"?>
+<p:sld xmlns:a="http://schemas.openxmlformats.org/drawingml/2006/main" xmlns:r="http://schemas.openxmlformats.org/officeDocument/2006/relationships" xmlns:p="http://schemas.openxmlformats.org/presentationml/2006/main">
+  <p:cSld>
+    <p:spTree>
+      <p:nvGrpSpPr>
+        <p:cNvPr id="1" name=""/>
+        <p:cNvGrpSpPr/>
+        <p:nvPr/>
+      </p:nvGrpSpPr>
+      <p:grpSpPr>
+        <a:xfrm>
+          <a:off x="0" y="0"/>
+          <a:ext cx="0" cy="0"/>
+          <a:chOff x="0" y="0"/>
+          <a:chExt cx="0" cy="0"/>
+        </a:xfrm>
+      </p:grpSpPr>
+      <p:sp>
+        <p:nvSpPr>
           <p:cNvPr id="3" name="内容占位符 2"/>
           <p:cNvSpPr>
             <a:spLocks noGrp="1"/>
@@ -4287,7 +5038,7 @@
 </p:sld>
 </file>
 
-<file path=ppt/slides/slide11.xml><?xml version="1.0" encoding="utf-8"?>
+<file path=ppt/slides/slide13.xml><?xml version="1.0" encoding="utf-8"?>
 <p:sld xmlns:a="http://schemas.openxmlformats.org/drawingml/2006/main" xmlns:r="http://schemas.openxmlformats.org/officeDocument/2006/relationships" xmlns:p="http://schemas.openxmlformats.org/presentationml/2006/main">
   <p:cSld>
     <p:spTree>
@@ -4340,7 +5091,10 @@
             </a:endParaRPr>
           </a:p>
           <a:p>
-            <a:pPr marL="0" indent="0">
+            <a:pPr marL="0" indent="0" fontAlgn="auto">
+              <a:lnSpc>
+                <a:spcPct val="150000"/>
+              </a:lnSpc>
               <a:buNone/>
             </a:pPr>
             <a:r>
@@ -4488,7 +5242,7 @@
 </p:sld>
 </file>
 
-<file path=ppt/slides/slide12.xml><?xml version="1.0" encoding="utf-8"?>
+<file path=ppt/slides/slide14.xml><?xml version="1.0" encoding="utf-8"?>
 <p:sld xmlns:a="http://schemas.openxmlformats.org/drawingml/2006/main" xmlns:r="http://schemas.openxmlformats.org/officeDocument/2006/relationships" xmlns:p="http://schemas.openxmlformats.org/presentationml/2006/main">
   <p:cSld>
     <p:spTree>
@@ -10845,566 +11599,34 @@
           <a:chExt cx="0" cy="0"/>
         </a:xfrm>
       </p:grpSpPr>
-      <p:sp>
-        <p:nvSpPr>
-          <p:cNvPr id="4" name="内容占位符 3"/>
-          <p:cNvSpPr>
-            <a:spLocks noGrp="1"/>
-          </p:cNvSpPr>
+      <p:pic>
+        <p:nvPicPr>
+          <p:cNvPr id="3" name="图片 2"/>
+          <p:cNvPicPr>
+            <a:picLocks noChangeAspect="1"/>
+          </p:cNvPicPr>
           <p:nvPr>
-            <p:ph idx="1"/>
+            <p:custDataLst>
+              <p:tags r:id="rId1"/>
+            </p:custDataLst>
           </p:nvPr>
-        </p:nvSpPr>
+        </p:nvPicPr>
+        <p:blipFill>
+          <a:blip r:embed="rId2"/>
+          <a:stretch>
+            <a:fillRect/>
+          </a:stretch>
+        </p:blipFill>
         <p:spPr>
           <a:xfrm>
-            <a:off x="838200" y="1089444"/>
-            <a:ext cx="10515600" cy="4876064"/>
+            <a:off x="31115" y="389890"/>
+            <a:ext cx="12131040" cy="6078220"/>
           </a:xfrm>
+          <a:prstGeom prst="rect">
+            <a:avLst/>
+          </a:prstGeom>
         </p:spPr>
-        <p:txBody>
-          <a:bodyPr>
-            <a:noAutofit/>
-          </a:bodyPr>
-          <a:lstStyle/>
-          <a:p>
-            <a:pPr marL="0" indent="0" fontAlgn="auto">
-              <a:lnSpc>
-                <a:spcPct val="150000"/>
-              </a:lnSpc>
-              <a:buNone/>
-            </a:pPr>
-            <a:r>
-              <a:rPr lang="en-US" altLang="zh-CN" sz="1800" dirty="0">
-                <a:latin typeface="+mn-ea"/>
-                <a:cs typeface="+mn-ea"/>
-              </a:rPr>
-              <a:t>Flask</a:t>
-            </a:r>
-            <a:r>
-              <a:rPr lang="zh-CN" altLang="en-US" sz="1800" dirty="0">
-                <a:latin typeface="+mn-ea"/>
-                <a:cs typeface="+mn-ea"/>
-              </a:rPr>
-              <a:t>项目中有两个上下文，一个是应用上下文（</a:t>
-            </a:r>
-            <a:r>
-              <a:rPr lang="en-US" altLang="zh-CN" sz="1800" dirty="0" err="1">
-                <a:latin typeface="+mn-ea"/>
-                <a:cs typeface="+mn-ea"/>
-              </a:rPr>
-              <a:t>AppContext</a:t>
-            </a:r>
-            <a:r>
-              <a:rPr lang="zh-CN" altLang="en-US" sz="1800" dirty="0">
-                <a:latin typeface="+mn-ea"/>
-                <a:cs typeface="+mn-ea"/>
-              </a:rPr>
-              <a:t>），另外一个是请求上下文（</a:t>
-            </a:r>
-            <a:r>
-              <a:rPr lang="en-US" altLang="zh-CN" sz="1800" dirty="0" err="1">
-                <a:latin typeface="+mn-ea"/>
-                <a:cs typeface="+mn-ea"/>
-              </a:rPr>
-              <a:t>RequestContext</a:t>
-            </a:r>
-            <a:r>
-              <a:rPr lang="zh-CN" altLang="en-US" sz="1800" dirty="0">
-                <a:latin typeface="+mn-ea"/>
-                <a:cs typeface="+mn-ea"/>
-              </a:rPr>
-              <a:t>）。请求上下文</a:t>
-            </a:r>
-            <a:r>
-              <a:rPr lang="en-US" altLang="zh-CN" sz="1800" dirty="0">
-                <a:latin typeface="+mn-ea"/>
-                <a:cs typeface="+mn-ea"/>
-              </a:rPr>
-              <a:t>request</a:t>
-            </a:r>
-            <a:r>
-              <a:rPr lang="zh-CN" altLang="en-US" sz="1800" dirty="0">
-                <a:latin typeface="+mn-ea"/>
-                <a:cs typeface="+mn-ea"/>
-              </a:rPr>
-              <a:t>和应用上下文</a:t>
-            </a:r>
-            <a:r>
-              <a:rPr lang="en-US" altLang="zh-CN" sz="1800" dirty="0" err="1">
-                <a:latin typeface="+mn-ea"/>
-                <a:cs typeface="+mn-ea"/>
-              </a:rPr>
-              <a:t>current_app</a:t>
-            </a:r>
-            <a:r>
-              <a:rPr lang="zh-CN" altLang="en-US" sz="1800" dirty="0">
-                <a:latin typeface="+mn-ea"/>
-                <a:cs typeface="+mn-ea"/>
-              </a:rPr>
-              <a:t>都是一个全局变量。所有请求都共享的。</a:t>
-            </a:r>
-            <a:r>
-              <a:rPr lang="en-US" altLang="zh-CN" sz="1800" dirty="0">
-                <a:latin typeface="+mn-ea"/>
-                <a:cs typeface="+mn-ea"/>
-              </a:rPr>
-              <a:t>Flask</a:t>
-            </a:r>
-            <a:r>
-              <a:rPr lang="zh-CN" altLang="en-US" sz="1800" dirty="0">
-                <a:latin typeface="+mn-ea"/>
-                <a:cs typeface="+mn-ea"/>
-              </a:rPr>
-              <a:t>有特殊的机制可以保证每次请求的数据都是隔离的，即</a:t>
-            </a:r>
-            <a:r>
-              <a:rPr lang="en-US" altLang="zh-CN" sz="1800" dirty="0">
-                <a:latin typeface="+mn-ea"/>
-                <a:cs typeface="+mn-ea"/>
-              </a:rPr>
-              <a:t>A</a:t>
-            </a:r>
-            <a:r>
-              <a:rPr lang="zh-CN" altLang="en-US" sz="1800" dirty="0">
-                <a:latin typeface="+mn-ea"/>
-                <a:cs typeface="+mn-ea"/>
-              </a:rPr>
-              <a:t>请求所产生的数据不会影响到</a:t>
-            </a:r>
-            <a:r>
-              <a:rPr lang="en-US" altLang="zh-CN" sz="1800" dirty="0">
-                <a:latin typeface="+mn-ea"/>
-                <a:cs typeface="+mn-ea"/>
-              </a:rPr>
-              <a:t>B</a:t>
-            </a:r>
-            <a:r>
-              <a:rPr lang="zh-CN" altLang="en-US" sz="1800" dirty="0">
-                <a:latin typeface="+mn-ea"/>
-                <a:cs typeface="+mn-ea"/>
-              </a:rPr>
-              <a:t>请求。所以可以直接导入</a:t>
-            </a:r>
-            <a:r>
-              <a:rPr lang="en-US" altLang="zh-CN" sz="1800" dirty="0">
-                <a:latin typeface="+mn-ea"/>
-                <a:cs typeface="+mn-ea"/>
-              </a:rPr>
-              <a:t>request</a:t>
-            </a:r>
-            <a:r>
-              <a:rPr lang="zh-CN" altLang="en-US" sz="1800" dirty="0">
-                <a:latin typeface="+mn-ea"/>
-                <a:cs typeface="+mn-ea"/>
-              </a:rPr>
-              <a:t>对象，也不会被一些脏数据影响了，并且不需要在每个函数中使用</a:t>
-            </a:r>
-            <a:r>
-              <a:rPr lang="en-US" altLang="zh-CN" sz="1800" dirty="0">
-                <a:latin typeface="+mn-ea"/>
-                <a:cs typeface="+mn-ea"/>
-              </a:rPr>
-              <a:t>request</a:t>
-            </a:r>
-            <a:r>
-              <a:rPr lang="zh-CN" altLang="en-US" sz="1800" dirty="0">
-                <a:latin typeface="+mn-ea"/>
-                <a:cs typeface="+mn-ea"/>
-              </a:rPr>
-              <a:t>的时候传入</a:t>
-            </a:r>
-            <a:r>
-              <a:rPr lang="en-US" altLang="zh-CN" sz="1800" dirty="0">
-                <a:latin typeface="+mn-ea"/>
-                <a:cs typeface="+mn-ea"/>
-              </a:rPr>
-              <a:t>request</a:t>
-            </a:r>
-            <a:r>
-              <a:rPr lang="zh-CN" altLang="en-US" sz="1800" dirty="0">
-                <a:latin typeface="+mn-ea"/>
-                <a:cs typeface="+mn-ea"/>
-              </a:rPr>
-              <a:t>对象。这两个上下文具体的实现方式和原理可以没必要详细了解。只要了解这两个上下文的四个属性就可以了：</a:t>
-            </a:r>
-            <a:endParaRPr lang="zh-CN" altLang="en-US" sz="1800" dirty="0">
-              <a:latin typeface="+mn-ea"/>
-              <a:cs typeface="+mn-ea"/>
-            </a:endParaRPr>
-          </a:p>
-          <a:p>
-            <a:pPr marL="0" indent="0" fontAlgn="auto">
-              <a:lnSpc>
-                <a:spcPct val="150000"/>
-              </a:lnSpc>
-              <a:buNone/>
-            </a:pPr>
-            <a:r>
-              <a:rPr lang="zh-CN" altLang="en-US" sz="1800" dirty="0">
-                <a:latin typeface="+mn-ea"/>
-                <a:cs typeface="+mn-ea"/>
-              </a:rPr>
-              <a:t>（</a:t>
-            </a:r>
-            <a:r>
-              <a:rPr lang="en-US" altLang="zh-CN" sz="1800" dirty="0">
-                <a:latin typeface="+mn-ea"/>
-                <a:cs typeface="+mn-ea"/>
-              </a:rPr>
-              <a:t>1</a:t>
-            </a:r>
-            <a:r>
-              <a:rPr lang="zh-CN" altLang="en-US" sz="1800" dirty="0">
-                <a:latin typeface="+mn-ea"/>
-                <a:cs typeface="+mn-ea"/>
-              </a:rPr>
-              <a:t>）</a:t>
-            </a:r>
-            <a:r>
-              <a:rPr lang="en-US" altLang="zh-CN" sz="1800" dirty="0">
-                <a:latin typeface="+mn-ea"/>
-                <a:cs typeface="+mn-ea"/>
-              </a:rPr>
-              <a:t>request</a:t>
-            </a:r>
-            <a:r>
-              <a:rPr lang="zh-CN" altLang="en-US" sz="1800" dirty="0">
-                <a:latin typeface="+mn-ea"/>
-                <a:cs typeface="+mn-ea"/>
-              </a:rPr>
-              <a:t>：请求上下文上的对象。这个对象一般用来保存一些请求的变量。比如</a:t>
-            </a:r>
-            <a:r>
-              <a:rPr lang="en-US" altLang="zh-CN" sz="1800" dirty="0">
-                <a:latin typeface="+mn-ea"/>
-                <a:cs typeface="+mn-ea"/>
-              </a:rPr>
-              <a:t>method</a:t>
-            </a:r>
-            <a:r>
-              <a:rPr lang="zh-CN" altLang="en-US" sz="1800" dirty="0">
-                <a:latin typeface="+mn-ea"/>
-                <a:cs typeface="+mn-ea"/>
-              </a:rPr>
-              <a:t>、</a:t>
-            </a:r>
-            <a:r>
-              <a:rPr lang="en-US" altLang="zh-CN" sz="1800" dirty="0" err="1">
-                <a:latin typeface="+mn-ea"/>
-                <a:cs typeface="+mn-ea"/>
-              </a:rPr>
-              <a:t>args</a:t>
-            </a:r>
-            <a:r>
-              <a:rPr lang="zh-CN" altLang="en-US" sz="1800" dirty="0">
-                <a:latin typeface="+mn-ea"/>
-                <a:cs typeface="+mn-ea"/>
-              </a:rPr>
-              <a:t>、</a:t>
-            </a:r>
-            <a:r>
-              <a:rPr lang="en-US" altLang="zh-CN" sz="1800" dirty="0">
-                <a:latin typeface="+mn-ea"/>
-                <a:cs typeface="+mn-ea"/>
-              </a:rPr>
-              <a:t>form</a:t>
-            </a:r>
-            <a:r>
-              <a:rPr lang="zh-CN" altLang="en-US" sz="1800" dirty="0">
-                <a:latin typeface="+mn-ea"/>
-                <a:cs typeface="+mn-ea"/>
-              </a:rPr>
-              <a:t>等。</a:t>
-            </a:r>
-            <a:endParaRPr lang="zh-CN" altLang="en-US" sz="1800" dirty="0">
-              <a:latin typeface="+mn-ea"/>
-              <a:cs typeface="+mn-ea"/>
-            </a:endParaRPr>
-          </a:p>
-          <a:p>
-            <a:pPr marL="0" indent="0" fontAlgn="auto">
-              <a:lnSpc>
-                <a:spcPct val="150000"/>
-              </a:lnSpc>
-              <a:buNone/>
-            </a:pPr>
-            <a:r>
-              <a:rPr lang="zh-CN" altLang="en-US" sz="1800" dirty="0">
-                <a:latin typeface="+mn-ea"/>
-                <a:cs typeface="+mn-ea"/>
-              </a:rPr>
-              <a:t>（</a:t>
-            </a:r>
-            <a:r>
-              <a:rPr lang="en-US" altLang="zh-CN" sz="1800" dirty="0">
-                <a:latin typeface="+mn-ea"/>
-                <a:cs typeface="+mn-ea"/>
-              </a:rPr>
-              <a:t>2</a:t>
-            </a:r>
-            <a:r>
-              <a:rPr lang="zh-CN" altLang="en-US" sz="1800" dirty="0">
-                <a:latin typeface="+mn-ea"/>
-                <a:cs typeface="+mn-ea"/>
-              </a:rPr>
-              <a:t>）</a:t>
-            </a:r>
-            <a:r>
-              <a:rPr lang="en-US" altLang="zh-CN" sz="1800" dirty="0">
-                <a:latin typeface="+mn-ea"/>
-                <a:cs typeface="+mn-ea"/>
-              </a:rPr>
-              <a:t>session</a:t>
-            </a:r>
-            <a:r>
-              <a:rPr lang="zh-CN" altLang="en-US" sz="1800" dirty="0">
-                <a:latin typeface="+mn-ea"/>
-                <a:cs typeface="+mn-ea"/>
-              </a:rPr>
-              <a:t>：请求上下文上的对象。这个对象一般用来保存一些会话信息。</a:t>
-            </a:r>
-            <a:endParaRPr lang="zh-CN" altLang="en-US" sz="1800" dirty="0">
-              <a:latin typeface="+mn-ea"/>
-              <a:cs typeface="+mn-ea"/>
-            </a:endParaRPr>
-          </a:p>
-          <a:p>
-            <a:pPr marL="0" indent="0" fontAlgn="auto">
-              <a:lnSpc>
-                <a:spcPct val="150000"/>
-              </a:lnSpc>
-              <a:buNone/>
-            </a:pPr>
-            <a:r>
-              <a:rPr lang="zh-CN" altLang="en-US" sz="1800" dirty="0">
-                <a:latin typeface="+mn-ea"/>
-                <a:cs typeface="+mn-ea"/>
-              </a:rPr>
-              <a:t>（</a:t>
-            </a:r>
-            <a:r>
-              <a:rPr lang="en-US" altLang="zh-CN" sz="1800" dirty="0">
-                <a:latin typeface="+mn-ea"/>
-                <a:cs typeface="+mn-ea"/>
-              </a:rPr>
-              <a:t>3</a:t>
-            </a:r>
-            <a:r>
-              <a:rPr lang="zh-CN" altLang="en-US" sz="1800" dirty="0">
-                <a:latin typeface="+mn-ea"/>
-                <a:cs typeface="+mn-ea"/>
-              </a:rPr>
-              <a:t>）</a:t>
-            </a:r>
-            <a:r>
-              <a:rPr lang="en-US" altLang="zh-CN" sz="1800" dirty="0" err="1">
-                <a:latin typeface="+mn-ea"/>
-                <a:cs typeface="+mn-ea"/>
-              </a:rPr>
-              <a:t>current_app</a:t>
-            </a:r>
-            <a:r>
-              <a:rPr lang="zh-CN" altLang="en-US" sz="1800" dirty="0">
-                <a:latin typeface="+mn-ea"/>
-                <a:cs typeface="+mn-ea"/>
-              </a:rPr>
-              <a:t>：返回当前的</a:t>
-            </a:r>
-            <a:r>
-              <a:rPr lang="en-US" altLang="zh-CN" sz="1800" dirty="0">
-                <a:latin typeface="+mn-ea"/>
-                <a:cs typeface="+mn-ea"/>
-              </a:rPr>
-              <a:t>app</a:t>
-            </a:r>
-            <a:r>
-              <a:rPr lang="zh-CN" altLang="en-US" sz="1800" dirty="0">
-                <a:latin typeface="+mn-ea"/>
-                <a:cs typeface="+mn-ea"/>
-              </a:rPr>
-              <a:t>。</a:t>
-            </a:r>
-            <a:endParaRPr lang="zh-CN" altLang="en-US" sz="1800" dirty="0">
-              <a:latin typeface="+mn-ea"/>
-              <a:cs typeface="+mn-ea"/>
-            </a:endParaRPr>
-          </a:p>
-          <a:p>
-            <a:pPr marL="0" indent="0" fontAlgn="auto">
-              <a:lnSpc>
-                <a:spcPct val="150000"/>
-              </a:lnSpc>
-              <a:buNone/>
-            </a:pPr>
-            <a:r>
-              <a:rPr lang="zh-CN" altLang="en-US" sz="1800" dirty="0">
-                <a:latin typeface="+mn-ea"/>
-                <a:cs typeface="+mn-ea"/>
-              </a:rPr>
-              <a:t>（</a:t>
-            </a:r>
-            <a:r>
-              <a:rPr lang="en-US" altLang="zh-CN" sz="1800" dirty="0">
-                <a:latin typeface="+mn-ea"/>
-                <a:cs typeface="+mn-ea"/>
-              </a:rPr>
-              <a:t>4</a:t>
-            </a:r>
-            <a:r>
-              <a:rPr lang="zh-CN" altLang="en-US" sz="1800" dirty="0">
-                <a:latin typeface="+mn-ea"/>
-                <a:cs typeface="+mn-ea"/>
-              </a:rPr>
-              <a:t>）</a:t>
-            </a:r>
-            <a:r>
-              <a:rPr lang="en-US" altLang="zh-CN" sz="1800" dirty="0">
-                <a:latin typeface="+mn-ea"/>
-                <a:cs typeface="+mn-ea"/>
-              </a:rPr>
-              <a:t>g</a:t>
-            </a:r>
-            <a:r>
-              <a:rPr lang="zh-CN" altLang="en-US" sz="1800" dirty="0">
-                <a:latin typeface="+mn-ea"/>
-                <a:cs typeface="+mn-ea"/>
-              </a:rPr>
-              <a:t>：应用上下文上的对象。处理请求时用作临时存储的对象。</a:t>
-            </a:r>
-            <a:endParaRPr lang="zh-CN" altLang="en-US" sz="1800" dirty="0">
-              <a:latin typeface="+mn-ea"/>
-              <a:cs typeface="+mn-ea"/>
-            </a:endParaRPr>
-          </a:p>
-          <a:p>
-            <a:pPr marL="0" indent="0" fontAlgn="auto">
-              <a:lnSpc>
-                <a:spcPct val="150000"/>
-              </a:lnSpc>
-              <a:buNone/>
-            </a:pPr>
-            <a:endParaRPr lang="zh-CN" altLang="en-US" sz="1800" dirty="0">
-              <a:latin typeface="+mn-ea"/>
-              <a:cs typeface="+mn-ea"/>
-            </a:endParaRPr>
-          </a:p>
-        </p:txBody>
-      </p:sp>
-      <p:grpSp>
-        <p:nvGrpSpPr>
-          <p:cNvPr id="21" name="组合 20"/>
-          <p:cNvGrpSpPr/>
-          <p:nvPr/>
-        </p:nvGrpSpPr>
-        <p:grpSpPr>
-          <a:xfrm>
-            <a:off x="471298" y="323947"/>
-            <a:ext cx="4632842" cy="460375"/>
-            <a:chOff x="493006" y="316630"/>
-            <a:chExt cx="4632842" cy="460375"/>
-          </a:xfrm>
-        </p:grpSpPr>
-        <p:sp>
-          <p:nvSpPr>
-            <p:cNvPr id="22" name="文本框 21"/>
-            <p:cNvSpPr txBox="1"/>
-            <p:nvPr/>
-          </p:nvSpPr>
-          <p:spPr>
-            <a:xfrm>
-              <a:off x="731013" y="316630"/>
-              <a:ext cx="4394835" cy="460375"/>
-            </a:xfrm>
-            <a:prstGeom prst="rect">
-              <a:avLst/>
-            </a:prstGeom>
-            <a:noFill/>
-          </p:spPr>
-          <p:txBody>
-            <a:bodyPr wrap="none" rtlCol="0">
-              <a:spAutoFit/>
-            </a:bodyPr>
-            <a:p>
-              <a:pPr algn="l"/>
-              <a:r>
-                <a:rPr lang="en-US" altLang="zh-CN" sz="2400" b="1" dirty="0">
-                  <a:latin typeface="微软雅黑" panose="020B0503020204020204" pitchFamily="34" charset="-122"/>
-                  <a:ea typeface="微软雅黑" panose="020B0503020204020204" pitchFamily="34" charset="-122"/>
-                  <a:cs typeface="微软雅黑" panose="020B0503020204020204" pitchFamily="34" charset="-122"/>
-                </a:rPr>
-                <a:t>Flask</a:t>
-              </a:r>
-              <a:r>
-                <a:rPr lang="en-US" altLang="zh-CN" sz="2400" b="1" dirty="0">
-                  <a:latin typeface="微软雅黑" panose="020B0503020204020204" pitchFamily="34" charset="-122"/>
-                  <a:ea typeface="微软雅黑" panose="020B0503020204020204" pitchFamily="34" charset="-122"/>
-                  <a:cs typeface="微软雅黑" panose="020B0503020204020204" pitchFamily="34" charset="-122"/>
-                  <a:sym typeface="+mn-ea"/>
-                </a:rPr>
-                <a:t> </a:t>
-              </a:r>
-              <a:r>
-                <a:rPr lang="en-US" altLang="zh-CN" sz="2400" b="1" dirty="0">
-                  <a:latin typeface="微软雅黑" panose="020B0503020204020204" pitchFamily="34" charset="-122"/>
-                  <a:ea typeface="微软雅黑" panose="020B0503020204020204" pitchFamily="34" charset="-122"/>
-                  <a:cs typeface="微软雅黑" panose="020B0503020204020204" pitchFamily="34" charset="-122"/>
-                  <a:sym typeface="+mn-ea"/>
-                </a:rPr>
-                <a:t>应用上下文和请求上下文</a:t>
-              </a:r>
-              <a:endParaRPr lang="zh-CN" altLang="en-US" sz="2400" b="1" dirty="0">
-                <a:latin typeface="+mn-ea"/>
-                <a:cs typeface="+mn-ea"/>
-              </a:endParaRPr>
-            </a:p>
-          </p:txBody>
-        </p:sp>
-        <p:sp>
-          <p:nvSpPr>
-            <p:cNvPr id="23" name="等腰三角形 22"/>
-            <p:cNvSpPr/>
-            <p:nvPr/>
-          </p:nvSpPr>
-          <p:spPr>
-            <a:xfrm rot="5400000">
-              <a:off x="477562" y="420163"/>
-              <a:ext cx="223931" cy="193044"/>
-            </a:xfrm>
-            <a:prstGeom prst="triangle">
-              <a:avLst/>
-            </a:prstGeom>
-            <a:solidFill>
-              <a:schemeClr val="accent4"/>
-            </a:solidFill>
-            <a:ln>
-              <a:noFill/>
-            </a:ln>
-          </p:spPr>
-          <p:style>
-            <a:lnRef idx="2">
-              <a:schemeClr val="accent1">
-                <a:shade val="50000"/>
-              </a:schemeClr>
-            </a:lnRef>
-            <a:fillRef idx="1">
-              <a:schemeClr val="accent1"/>
-            </a:fillRef>
-            <a:effectRef idx="0">
-              <a:schemeClr val="accent1"/>
-            </a:effectRef>
-            <a:fontRef idx="minor">
-              <a:schemeClr val="lt1"/>
-            </a:fontRef>
-          </p:style>
-          <p:txBody>
-            <a:bodyPr rtlCol="0" anchor="ctr"/>
-            <a:p>
-              <a:pPr algn="ctr"/>
-              <a:endParaRPr lang="zh-CN" altLang="en-US"/>
-            </a:p>
-          </p:txBody>
-        </p:sp>
-      </p:grpSp>
+      </p:pic>
     </p:spTree>
   </p:cSld>
   <p:clrMapOvr>
@@ -11422,6 +11644,12 @@
 <file path=ppt/tags/tag2.xml><?xml version="1.0" encoding="utf-8"?>
 <p:tagLst xmlns:p="http://schemas.openxmlformats.org/presentationml/2006/main">
   <p:tag name="KSO_WM_UNIT_TABLE_BEAUTIFY" val="smartTable{e57b65cf-922e-40b2-a05e-3aebbf1083d9}"/>
+</p:tagLst>
+</file>
+
+<file path=ppt/tags/tag3.xml><?xml version="1.0" encoding="utf-8"?>
+<p:tagLst xmlns:p="http://schemas.openxmlformats.org/presentationml/2006/main">
+  <p:tag name="KSO_WM_UNIT_PLACING_PICTURE_USER_VIEWPORT" val="{&quot;height&quot;:7485,&quot;width&quot;:14940}"/>
 </p:tagLst>
 </file>
 
